--- a/images/img.pptx
+++ b/images/img.pptx
@@ -7,6 +7,7 @@
   <p:sldIdLst>
     <p:sldId id="256" r:id="rId2"/>
     <p:sldId id="257" r:id="rId3"/>
+    <p:sldId id="258" r:id="rId4"/>
   </p:sldIdLst>
   <p:sldSz cx="12192000" cy="6858000"/>
   <p:notesSz cx="6858000" cy="9144000"/>
@@ -105,6 +106,11 @@
       </a:defRPr>
     </a:lvl9pPr>
   </p:defaultTextStyle>
+  <p:extLst>
+    <p:ext uri="{EFAFB233-063F-42B5-8137-9DF3F51BA10A}">
+      <p15:sldGuideLst xmlns:p15="http://schemas.microsoft.com/office/powerpoint/2012/main"/>
+    </p:ext>
+  </p:extLst>
 </p:presentation>
 </file>
 
@@ -255,7 +261,7 @@
           <a:p>
             <a:fld id="{262D48A6-F6D9-4482-940A-D8CA7330C40C}" type="datetimeFigureOut">
               <a:rPr lang="zh-CN" altLang="en-US" smtClean="0"/>
-              <a:t>2022/4/28</a:t>
+              <a:t>2022/6/5</a:t>
             </a:fld>
             <a:endParaRPr lang="zh-CN" altLang="en-US"/>
           </a:p>
@@ -453,7 +459,7 @@
           <a:p>
             <a:fld id="{262D48A6-F6D9-4482-940A-D8CA7330C40C}" type="datetimeFigureOut">
               <a:rPr lang="zh-CN" altLang="en-US" smtClean="0"/>
-              <a:t>2022/4/28</a:t>
+              <a:t>2022/6/5</a:t>
             </a:fld>
             <a:endParaRPr lang="zh-CN" altLang="en-US"/>
           </a:p>
@@ -661,7 +667,7 @@
           <a:p>
             <a:fld id="{262D48A6-F6D9-4482-940A-D8CA7330C40C}" type="datetimeFigureOut">
               <a:rPr lang="zh-CN" altLang="en-US" smtClean="0"/>
-              <a:t>2022/4/28</a:t>
+              <a:t>2022/6/5</a:t>
             </a:fld>
             <a:endParaRPr lang="zh-CN" altLang="en-US"/>
           </a:p>
@@ -859,7 +865,7 @@
           <a:p>
             <a:fld id="{262D48A6-F6D9-4482-940A-D8CA7330C40C}" type="datetimeFigureOut">
               <a:rPr lang="zh-CN" altLang="en-US" smtClean="0"/>
-              <a:t>2022/4/28</a:t>
+              <a:t>2022/6/5</a:t>
             </a:fld>
             <a:endParaRPr lang="zh-CN" altLang="en-US"/>
           </a:p>
@@ -1134,7 +1140,7 @@
           <a:p>
             <a:fld id="{262D48A6-F6D9-4482-940A-D8CA7330C40C}" type="datetimeFigureOut">
               <a:rPr lang="zh-CN" altLang="en-US" smtClean="0"/>
-              <a:t>2022/4/28</a:t>
+              <a:t>2022/6/5</a:t>
             </a:fld>
             <a:endParaRPr lang="zh-CN" altLang="en-US"/>
           </a:p>
@@ -1399,7 +1405,7 @@
           <a:p>
             <a:fld id="{262D48A6-F6D9-4482-940A-D8CA7330C40C}" type="datetimeFigureOut">
               <a:rPr lang="zh-CN" altLang="en-US" smtClean="0"/>
-              <a:t>2022/4/28</a:t>
+              <a:t>2022/6/5</a:t>
             </a:fld>
             <a:endParaRPr lang="zh-CN" altLang="en-US"/>
           </a:p>
@@ -1811,7 +1817,7 @@
           <a:p>
             <a:fld id="{262D48A6-F6D9-4482-940A-D8CA7330C40C}" type="datetimeFigureOut">
               <a:rPr lang="zh-CN" altLang="en-US" smtClean="0"/>
-              <a:t>2022/4/28</a:t>
+              <a:t>2022/6/5</a:t>
             </a:fld>
             <a:endParaRPr lang="zh-CN" altLang="en-US"/>
           </a:p>
@@ -1952,7 +1958,7 @@
           <a:p>
             <a:fld id="{262D48A6-F6D9-4482-940A-D8CA7330C40C}" type="datetimeFigureOut">
               <a:rPr lang="zh-CN" altLang="en-US" smtClean="0"/>
-              <a:t>2022/4/28</a:t>
+              <a:t>2022/6/5</a:t>
             </a:fld>
             <a:endParaRPr lang="zh-CN" altLang="en-US"/>
           </a:p>
@@ -2065,7 +2071,7 @@
           <a:p>
             <a:fld id="{262D48A6-F6D9-4482-940A-D8CA7330C40C}" type="datetimeFigureOut">
               <a:rPr lang="zh-CN" altLang="en-US" smtClean="0"/>
-              <a:t>2022/4/28</a:t>
+              <a:t>2022/6/5</a:t>
             </a:fld>
             <a:endParaRPr lang="zh-CN" altLang="en-US"/>
           </a:p>
@@ -2376,7 +2382,7 @@
           <a:p>
             <a:fld id="{262D48A6-F6D9-4482-940A-D8CA7330C40C}" type="datetimeFigureOut">
               <a:rPr lang="zh-CN" altLang="en-US" smtClean="0"/>
-              <a:t>2022/4/28</a:t>
+              <a:t>2022/6/5</a:t>
             </a:fld>
             <a:endParaRPr lang="zh-CN" altLang="en-US"/>
           </a:p>
@@ -2664,7 +2670,7 @@
           <a:p>
             <a:fld id="{262D48A6-F6D9-4482-940A-D8CA7330C40C}" type="datetimeFigureOut">
               <a:rPr lang="zh-CN" altLang="en-US" smtClean="0"/>
-              <a:t>2022/4/28</a:t>
+              <a:t>2022/6/5</a:t>
             </a:fld>
             <a:endParaRPr lang="zh-CN" altLang="en-US"/>
           </a:p>
@@ -2905,7 +2911,7 @@
           <a:p>
             <a:fld id="{262D48A6-F6D9-4482-940A-D8CA7330C40C}" type="datetimeFigureOut">
               <a:rPr lang="zh-CN" altLang="en-US" smtClean="0"/>
-              <a:t>2022/4/28</a:t>
+              <a:t>2022/6/5</a:t>
             </a:fld>
             <a:endParaRPr lang="zh-CN" altLang="en-US"/>
           </a:p>
@@ -3689,6 +3695,190 @@
 </p:sld>
 </file>
 
+<file path=ppt/slides/slide3.xml><?xml version="1.0" encoding="utf-8"?>
+<p:sld xmlns:a="http://schemas.openxmlformats.org/drawingml/2006/main" xmlns:r="http://schemas.openxmlformats.org/officeDocument/2006/relationships" xmlns:p="http://schemas.openxmlformats.org/presentationml/2006/main">
+  <p:cSld>
+    <p:spTree>
+      <p:nvGrpSpPr>
+        <p:cNvPr id="1" name=""/>
+        <p:cNvGrpSpPr/>
+        <p:nvPr/>
+      </p:nvGrpSpPr>
+      <p:grpSpPr>
+        <a:xfrm>
+          <a:off x="0" y="0"/>
+          <a:ext cx="0" cy="0"/>
+          <a:chOff x="0" y="0"/>
+          <a:chExt cx="0" cy="0"/>
+        </a:xfrm>
+      </p:grpSpPr>
+      <p:grpSp>
+        <p:nvGrpSpPr>
+          <p:cNvPr id="7" name="组合 6">
+            <a:extLst>
+              <a:ext uri="{FF2B5EF4-FFF2-40B4-BE49-F238E27FC236}">
+                <a16:creationId xmlns:a16="http://schemas.microsoft.com/office/drawing/2014/main" id="{C0ACBE30-79C7-49E1-B5E2-7E2C5A4BCCAE}"/>
+              </a:ext>
+            </a:extLst>
+          </p:cNvPr>
+          <p:cNvGrpSpPr/>
+          <p:nvPr/>
+        </p:nvGrpSpPr>
+        <p:grpSpPr>
+          <a:xfrm>
+            <a:off x="2065943" y="389069"/>
+            <a:ext cx="8710024" cy="6402256"/>
+            <a:chOff x="3189894" y="1455869"/>
+            <a:chExt cx="3722970" cy="2736549"/>
+          </a:xfrm>
+        </p:grpSpPr>
+        <p:pic>
+          <p:nvPicPr>
+            <p:cNvPr id="4" name="Picture 6">
+              <a:extLst>
+                <a:ext uri="{FF2B5EF4-FFF2-40B4-BE49-F238E27FC236}">
+                  <a16:creationId xmlns:a16="http://schemas.microsoft.com/office/drawing/2014/main" id="{A258A203-8D79-402E-A480-3A969018C000}"/>
+                </a:ext>
+              </a:extLst>
+            </p:cNvPr>
+            <p:cNvPicPr>
+              <a:picLocks noChangeAspect="1" noChangeArrowheads="1"/>
+            </p:cNvPicPr>
+            <p:nvPr/>
+          </p:nvPicPr>
+          <p:blipFill>
+            <a:blip r:embed="rId2">
+              <a:extLst>
+                <a:ext uri="{28A0092B-C50C-407E-A947-70E740481C1C}">
+                  <a14:useLocalDpi xmlns:a14="http://schemas.microsoft.com/office/drawing/2010/main" val="0"/>
+                </a:ext>
+              </a:extLst>
+            </a:blip>
+            <a:srcRect/>
+            <a:stretch>
+              <a:fillRect/>
+            </a:stretch>
+          </p:blipFill>
+          <p:spPr bwMode="auto">
+            <a:xfrm>
+              <a:off x="4810658" y="1455869"/>
+              <a:ext cx="1793953" cy="2485759"/>
+            </a:xfrm>
+            <a:prstGeom prst="rect">
+              <a:avLst/>
+            </a:prstGeom>
+            <a:noFill/>
+            <a:extLst>
+              <a:ext uri="{909E8E84-426E-40DD-AFC4-6F175D3DCCD1}">
+                <a14:hiddenFill xmlns:a14="http://schemas.microsoft.com/office/drawing/2010/main">
+                  <a:solidFill>
+                    <a:srgbClr val="FFFFFF"/>
+                  </a:solidFill>
+                </a14:hiddenFill>
+              </a:ext>
+            </a:extLst>
+          </p:spPr>
+        </p:pic>
+        <p:pic>
+          <p:nvPicPr>
+            <p:cNvPr id="5" name="图片 4">
+              <a:extLst>
+                <a:ext uri="{FF2B5EF4-FFF2-40B4-BE49-F238E27FC236}">
+                  <a16:creationId xmlns:a16="http://schemas.microsoft.com/office/drawing/2014/main" id="{F7465DBF-54FF-4A08-9F4E-20663A24CABA}"/>
+                </a:ext>
+              </a:extLst>
+            </p:cNvPr>
+            <p:cNvPicPr>
+              <a:picLocks noChangeAspect="1"/>
+            </p:cNvPicPr>
+            <p:nvPr/>
+          </p:nvPicPr>
+          <p:blipFill>
+            <a:blip r:embed="rId3">
+              <a:clrChange>
+                <a:clrFrom>
+                  <a:srgbClr val="FFFFFF"/>
+                </a:clrFrom>
+                <a:clrTo>
+                  <a:srgbClr val="FFFFFF">
+                    <a:alpha val="0"/>
+                  </a:srgbClr>
+                </a:clrTo>
+              </a:clrChange>
+            </a:blip>
+            <a:stretch>
+              <a:fillRect/>
+            </a:stretch>
+          </p:blipFill>
+          <p:spPr>
+            <a:xfrm>
+              <a:off x="5487434" y="2459735"/>
+              <a:ext cx="1425430" cy="1732683"/>
+            </a:xfrm>
+            <a:prstGeom prst="rect">
+              <a:avLst/>
+            </a:prstGeom>
+          </p:spPr>
+        </p:pic>
+        <p:pic>
+          <p:nvPicPr>
+            <p:cNvPr id="6" name="Picture 2" descr="Zeiss Global Centre | University of Portsmouth">
+              <a:extLst>
+                <a:ext uri="{FF2B5EF4-FFF2-40B4-BE49-F238E27FC236}">
+                  <a16:creationId xmlns:a16="http://schemas.microsoft.com/office/drawing/2014/main" id="{D4B449F6-E4DA-4D20-995A-3F714404DECF}"/>
+                </a:ext>
+              </a:extLst>
+            </p:cNvPr>
+            <p:cNvPicPr>
+              <a:picLocks noChangeAspect="1" noChangeArrowheads="1"/>
+            </p:cNvPicPr>
+            <p:nvPr/>
+          </p:nvPicPr>
+          <p:blipFill rotWithShape="1">
+            <a:blip r:embed="rId4">
+              <a:extLst>
+                <a:ext uri="{28A0092B-C50C-407E-A947-70E740481C1C}">
+                  <a14:useLocalDpi xmlns:a14="http://schemas.microsoft.com/office/drawing/2010/main" val="0"/>
+                </a:ext>
+              </a:extLst>
+            </a:blip>
+            <a:srcRect l="12108" r="53519"/>
+            <a:stretch/>
+          </p:blipFill>
+          <p:spPr bwMode="auto">
+            <a:xfrm>
+              <a:off x="3189894" y="1596849"/>
+              <a:ext cx="1535189" cy="2344779"/>
+            </a:xfrm>
+            <a:prstGeom prst="rect">
+              <a:avLst/>
+            </a:prstGeom>
+            <a:noFill/>
+            <a:extLst>
+              <a:ext uri="{909E8E84-426E-40DD-AFC4-6F175D3DCCD1}">
+                <a14:hiddenFill xmlns:a14="http://schemas.microsoft.com/office/drawing/2010/main">
+                  <a:solidFill>
+                    <a:srgbClr val="FFFFFF"/>
+                  </a:solidFill>
+                </a14:hiddenFill>
+              </a:ext>
+            </a:extLst>
+          </p:spPr>
+        </p:pic>
+      </p:grpSp>
+    </p:spTree>
+    <p:extLst>
+      <p:ext uri="{BB962C8B-B14F-4D97-AF65-F5344CB8AC3E}">
+        <p14:creationId xmlns:p14="http://schemas.microsoft.com/office/powerpoint/2010/main" val="2137758664"/>
+      </p:ext>
+    </p:extLst>
+  </p:cSld>
+  <p:clrMapOvr>
+    <a:masterClrMapping/>
+  </p:clrMapOvr>
+</p:sld>
+</file>
+
 <file path=ppt/theme/theme1.xml><?xml version="1.0" encoding="utf-8"?>
 <a:theme xmlns:a="http://schemas.openxmlformats.org/drawingml/2006/main" name="Office 主题​​">
   <a:themeElements>

--- a/images/img.pptx
+++ b/images/img.pptx
@@ -8,6 +8,7 @@
     <p:sldId id="256" r:id="rId2"/>
     <p:sldId id="257" r:id="rId3"/>
     <p:sldId id="258" r:id="rId4"/>
+    <p:sldId id="259" r:id="rId5"/>
   </p:sldIdLst>
   <p:sldSz cx="12192000" cy="6858000"/>
   <p:notesSz cx="6858000" cy="9144000"/>
@@ -3879,6 +3880,112 @@
 </p:sld>
 </file>
 
+<file path=ppt/slides/slide4.xml><?xml version="1.0" encoding="utf-8"?>
+<p:sld xmlns:a="http://schemas.openxmlformats.org/drawingml/2006/main" xmlns:r="http://schemas.openxmlformats.org/officeDocument/2006/relationships" xmlns:p="http://schemas.openxmlformats.org/presentationml/2006/main">
+  <p:cSld>
+    <p:spTree>
+      <p:nvGrpSpPr>
+        <p:cNvPr id="1" name=""/>
+        <p:cNvGrpSpPr/>
+        <p:nvPr/>
+      </p:nvGrpSpPr>
+      <p:grpSpPr>
+        <a:xfrm>
+          <a:off x="0" y="0"/>
+          <a:ext cx="0" cy="0"/>
+          <a:chOff x="0" y="0"/>
+          <a:chExt cx="0" cy="0"/>
+        </a:xfrm>
+      </p:grpSpPr>
+      <p:pic>
+        <p:nvPicPr>
+          <p:cNvPr id="4" name="Picture 13" descr="A close up of a map&#10;&#10;Description automatically generated">
+            <a:extLst>
+              <a:ext uri="{FF2B5EF4-FFF2-40B4-BE49-F238E27FC236}">
+                <a16:creationId xmlns:a16="http://schemas.microsoft.com/office/drawing/2014/main" id="{2CD73AB0-1DD9-4DCD-AD8A-FDAF25DB8A01}"/>
+              </a:ext>
+            </a:extLst>
+          </p:cNvPr>
+          <p:cNvPicPr>
+            <a:picLocks noChangeAspect="1"/>
+          </p:cNvPicPr>
+          <p:nvPr/>
+        </p:nvPicPr>
+        <p:blipFill rotWithShape="1">
+          <a:blip r:embed="rId2" cstate="print">
+            <a:extLst>
+              <a:ext uri="{28A0092B-C50C-407E-A947-70E740481C1C}">
+                <a14:useLocalDpi xmlns:a14="http://schemas.microsoft.com/office/drawing/2010/main" val="0"/>
+              </a:ext>
+            </a:extLst>
+          </a:blip>
+          <a:srcRect r="18301"/>
+          <a:stretch/>
+        </p:blipFill>
+        <p:spPr>
+          <a:xfrm rot="21418606">
+            <a:off x="3517242" y="1014200"/>
+            <a:ext cx="2541344" cy="2492538"/>
+          </a:xfrm>
+          <a:prstGeom prst="rect">
+            <a:avLst/>
+          </a:prstGeom>
+        </p:spPr>
+      </p:pic>
+      <p:pic>
+        <p:nvPicPr>
+          <p:cNvPr id="5" name="图片 4">
+            <a:extLst>
+              <a:ext uri="{FF2B5EF4-FFF2-40B4-BE49-F238E27FC236}">
+                <a16:creationId xmlns:a16="http://schemas.microsoft.com/office/drawing/2014/main" id="{0143415C-7CFB-4018-8205-D9786B471B80}"/>
+              </a:ext>
+            </a:extLst>
+          </p:cNvPr>
+          <p:cNvPicPr>
+            <a:picLocks noChangeAspect="1"/>
+          </p:cNvPicPr>
+          <p:nvPr/>
+        </p:nvPicPr>
+        <p:blipFill>
+          <a:blip r:embed="rId3">
+            <a:clrChange>
+              <a:clrFrom>
+                <a:srgbClr val="FEFEFE"/>
+              </a:clrFrom>
+              <a:clrTo>
+                <a:srgbClr val="FEFEFE">
+                  <a:alpha val="0"/>
+                </a:srgbClr>
+              </a:clrTo>
+            </a:clrChange>
+          </a:blip>
+          <a:stretch>
+            <a:fillRect/>
+          </a:stretch>
+        </p:blipFill>
+        <p:spPr>
+          <a:xfrm>
+            <a:off x="2795600" y="2624539"/>
+            <a:ext cx="5474516" cy="2621600"/>
+          </a:xfrm>
+          <a:prstGeom prst="rect">
+            <a:avLst/>
+          </a:prstGeom>
+        </p:spPr>
+      </p:pic>
+    </p:spTree>
+    <p:extLst>
+      <p:ext uri="{BB962C8B-B14F-4D97-AF65-F5344CB8AC3E}">
+        <p14:creationId xmlns:p14="http://schemas.microsoft.com/office/powerpoint/2010/main" val="837105162"/>
+      </p:ext>
+    </p:extLst>
+  </p:cSld>
+  <p:clrMapOvr>
+    <a:masterClrMapping/>
+  </p:clrMapOvr>
+</p:sld>
+</file>
+
 <file path=ppt/theme/theme1.xml><?xml version="1.0" encoding="utf-8"?>
 <a:theme xmlns:a="http://schemas.openxmlformats.org/drawingml/2006/main" name="Office 主题​​">
   <a:themeElements>
